--- a/Assets/Stories/Story_Banners.pptx
+++ b/Assets/Stories/Story_Banners.pptx
@@ -9,6 +9,9 @@
     <p:sldId id="257" r:id="rId3"/>
     <p:sldId id="258" r:id="rId4"/>
     <p:sldId id="259" r:id="rId5"/>
+    <p:sldId id="260" r:id="rId6"/>
+    <p:sldId id="261" r:id="rId7"/>
+    <p:sldId id="262" r:id="rId8"/>
   </p:sldIdLst>
   <p:sldSz cx="12192000" cy="6858000"/>
   <p:notesSz cx="6858000" cy="9144000"/>
@@ -3642,6 +3645,17 @@
 <file path=ppt/slides/slide2.xml><?xml version="1.0" encoding="utf-8"?>
 <p:sld xmlns:a="http://schemas.openxmlformats.org/drawingml/2006/main" xmlns:r="http://schemas.openxmlformats.org/officeDocument/2006/relationships" xmlns:p="http://schemas.openxmlformats.org/presentationml/2006/main">
   <p:cSld>
+    <p:bg>
+      <p:bgPr>
+        <a:solidFill>
+          <a:schemeClr val="tx2">
+            <a:lumMod val="75000"/>
+            <a:lumOff val="25000"/>
+          </a:schemeClr>
+        </a:solidFill>
+        <a:effectLst/>
+      </p:bgPr>
+    </p:bg>
     <p:spTree>
       <p:nvGrpSpPr>
         <p:cNvPr id="1" name="">
@@ -3664,10 +3678,10 @@
       </p:grpSpPr>
       <p:pic>
         <p:nvPicPr>
-          <p:cNvPr id="3" name="Picture 2" descr="A person in a red robe and a person in a red robe&#10;&#10;Description automatically generated">
-            <a:extLst>
-              <a:ext uri="{FF2B5EF4-FFF2-40B4-BE49-F238E27FC236}">
-                <a16:creationId xmlns:a16="http://schemas.microsoft.com/office/drawing/2014/main" id="{3D3E5390-68BA-9820-3509-05EC21FE5FD6}"/>
+          <p:cNvPr id="4" name="Picture 3" descr="A person and person standing in a tent&#10;&#10;Description automatically generated">
+            <a:extLst>
+              <a:ext uri="{FF2B5EF4-FFF2-40B4-BE49-F238E27FC236}">
+                <a16:creationId xmlns:a16="http://schemas.microsoft.com/office/drawing/2014/main" id="{58BC73A7-F1E0-2986-B237-6E324A408424}"/>
               </a:ext>
             </a:extLst>
           </p:cNvPr>
@@ -3684,13 +3698,13 @@
               </a:ext>
             </a:extLst>
           </a:blip>
-          <a:srcRect t="5799" b="19200"/>
+          <a:srcRect r="18367" b="38605"/>
           <a:stretch/>
         </p:blipFill>
         <p:spPr>
           <a:xfrm>
-            <a:off x="0" y="0"/>
-            <a:ext cx="12191960" cy="6858000"/>
+            <a:off x="0" y="-19050"/>
+            <a:ext cx="12192000" cy="6877050"/>
           </a:xfrm>
           <a:prstGeom prst="rect">
             <a:avLst/>
@@ -3711,15 +3725,16 @@
         </p:nvSpPr>
         <p:spPr>
           <a:xfrm rot="19634522">
-            <a:off x="3706090" y="494699"/>
+            <a:off x="3439390" y="704249"/>
             <a:ext cx="8820090" cy="6445100"/>
           </a:xfrm>
           <a:prstGeom prst="rect">
             <a:avLst/>
           </a:prstGeom>
           <a:solidFill>
-            <a:schemeClr val="accent1">
+            <a:schemeClr val="tx2">
               <a:lumMod val="75000"/>
+              <a:lumOff val="25000"/>
               <a:alpha val="68000"/>
             </a:schemeClr>
           </a:solidFill>
@@ -3768,8 +3783,8 @@
         </p:nvSpPr>
         <p:spPr>
           <a:xfrm>
-            <a:off x="4688036" y="2780072"/>
-            <a:ext cx="5478520" cy="1938992"/>
+            <a:off x="4529129" y="2495638"/>
+            <a:ext cx="5478520" cy="2862322"/>
           </a:xfrm>
           <a:prstGeom prst="rect">
             <a:avLst/>
@@ -3789,19 +3804,23 @@
                 </a:solidFill>
                 <a:latin typeface="Amasis MT Pro Medium" panose="02040604050005020304" pitchFamily="18" charset="0"/>
               </a:rPr>
-              <a:t>David </a:t>
-            </a:r>
-          </a:p>
-          <a:p>
-            <a:r>
-              <a:rPr lang="en-US" sz="6000" dirty="0">
+              <a:t>Joseph and the coat of many </a:t>
+            </a:r>
+            <a:r>
+              <a:rPr lang="en-US" sz="6000" dirty="0" err="1">
                 <a:solidFill>
                   <a:schemeClr val="bg1"/>
                 </a:solidFill>
                 <a:latin typeface="Amasis MT Pro Medium" panose="02040604050005020304" pitchFamily="18" charset="0"/>
               </a:rPr>
-              <a:t>and goliath</a:t>
-            </a:r>
+              <a:t>colours</a:t>
+            </a:r>
+            <a:endParaRPr lang="en-US" sz="6000" dirty="0">
+              <a:solidFill>
+                <a:schemeClr val="bg1"/>
+              </a:solidFill>
+              <a:latin typeface="Amasis MT Pro Medium" panose="02040604050005020304" pitchFamily="18" charset="0"/>
+            </a:endParaRPr>
           </a:p>
         </p:txBody>
       </p:sp>
@@ -4156,6 +4175,531 @@
     <p:extLst>
       <p:ext uri="{BB962C8B-B14F-4D97-AF65-F5344CB8AC3E}">
         <p14:creationId xmlns:p14="http://schemas.microsoft.com/office/powerpoint/2010/main" val="2968279955"/>
+      </p:ext>
+    </p:extLst>
+  </p:cSld>
+  <p:clrMapOvr>
+    <a:masterClrMapping/>
+  </p:clrMapOvr>
+</p:sld>
+</file>
+
+<file path=ppt/slides/slide5.xml><?xml version="1.0" encoding="utf-8"?>
+<p:sld xmlns:a="http://schemas.openxmlformats.org/drawingml/2006/main" xmlns:r="http://schemas.openxmlformats.org/officeDocument/2006/relationships" xmlns:p="http://schemas.openxmlformats.org/presentationml/2006/main">
+  <p:cSld>
+    <p:spTree>
+      <p:nvGrpSpPr>
+        <p:cNvPr id="1" name="">
+          <a:extLst>
+            <a:ext uri="{FF2B5EF4-FFF2-40B4-BE49-F238E27FC236}">
+              <a16:creationId xmlns:a16="http://schemas.microsoft.com/office/drawing/2014/main" id="{05572CEE-DCA6-6E01-6871-03F9DE11A5D8}"/>
+            </a:ext>
+          </a:extLst>
+        </p:cNvPr>
+        <p:cNvGrpSpPr/>
+        <p:nvPr/>
+      </p:nvGrpSpPr>
+      <p:grpSpPr>
+        <a:xfrm>
+          <a:off x="0" y="0"/>
+          <a:ext cx="0" cy="0"/>
+          <a:chOff x="0" y="0"/>
+          <a:chExt cx="0" cy="0"/>
+        </a:xfrm>
+      </p:grpSpPr>
+      <p:pic>
+        <p:nvPicPr>
+          <p:cNvPr id="4" name="Picture 3" descr="A person kneeling on his knees with his hand on the head&#10;&#10;Description automatically generated">
+            <a:extLst>
+              <a:ext uri="{FF2B5EF4-FFF2-40B4-BE49-F238E27FC236}">
+                <a16:creationId xmlns:a16="http://schemas.microsoft.com/office/drawing/2014/main" id="{0B3CCA02-5CDB-8E23-3203-C37CC756B6A8}"/>
+              </a:ext>
+            </a:extLst>
+          </p:cNvPr>
+          <p:cNvPicPr>
+            <a:picLocks noChangeAspect="1"/>
+          </p:cNvPicPr>
+          <p:nvPr/>
+        </p:nvPicPr>
+        <p:blipFill>
+          <a:blip r:embed="rId2">
+            <a:extLst>
+              <a:ext uri="{28A0092B-C50C-407E-A947-70E740481C1C}">
+                <a14:useLocalDpi xmlns:a14="http://schemas.microsoft.com/office/drawing/2010/main" val="0"/>
+              </a:ext>
+            </a:extLst>
+          </a:blip>
+          <a:stretch>
+            <a:fillRect/>
+          </a:stretch>
+        </p:blipFill>
+        <p:spPr>
+          <a:xfrm>
+            <a:off x="3695700" y="-39329"/>
+            <a:ext cx="5257800" cy="6784258"/>
+          </a:xfrm>
+          <a:prstGeom prst="rect">
+            <a:avLst/>
+          </a:prstGeom>
+        </p:spPr>
+      </p:pic>
+      <p:sp>
+        <p:nvSpPr>
+          <p:cNvPr id="6" name="Rectangle 5">
+            <a:extLst>
+              <a:ext uri="{FF2B5EF4-FFF2-40B4-BE49-F238E27FC236}">
+                <a16:creationId xmlns:a16="http://schemas.microsoft.com/office/drawing/2014/main" id="{0954CF44-5F8E-1408-0C18-1D6D7CA1CF80}"/>
+              </a:ext>
+            </a:extLst>
+          </p:cNvPr>
+          <p:cNvSpPr/>
+          <p:nvPr/>
+        </p:nvSpPr>
+        <p:spPr>
+          <a:xfrm rot="17839276">
+            <a:off x="-111553" y="3530714"/>
+            <a:ext cx="8820090" cy="7866640"/>
+          </a:xfrm>
+          <a:prstGeom prst="rect">
+            <a:avLst/>
+          </a:prstGeom>
+          <a:solidFill>
+            <a:srgbClr val="3333FF">
+              <a:alpha val="67451"/>
+            </a:srgbClr>
+          </a:solidFill>
+          <a:ln w="76200">
+            <a:solidFill>
+              <a:schemeClr val="bg1"/>
+            </a:solidFill>
+          </a:ln>
+        </p:spPr>
+        <p:style>
+          <a:lnRef idx="2">
+            <a:schemeClr val="accent1">
+              <a:shade val="15000"/>
+            </a:schemeClr>
+          </a:lnRef>
+          <a:fillRef idx="1">
+            <a:schemeClr val="accent1"/>
+          </a:fillRef>
+          <a:effectRef idx="0">
+            <a:schemeClr val="accent1"/>
+          </a:effectRef>
+          <a:fontRef idx="minor">
+            <a:schemeClr val="lt1"/>
+          </a:fontRef>
+        </p:style>
+        <p:txBody>
+          <a:bodyPr rtlCol="0" anchor="ctr"/>
+          <a:lstStyle/>
+          <a:p>
+            <a:pPr algn="ctr"/>
+            <a:endParaRPr lang="en-US"/>
+          </a:p>
+        </p:txBody>
+      </p:sp>
+      <p:sp>
+        <p:nvSpPr>
+          <p:cNvPr id="7" name="TextBox 6">
+            <a:extLst>
+              <a:ext uri="{FF2B5EF4-FFF2-40B4-BE49-F238E27FC236}">
+                <a16:creationId xmlns:a16="http://schemas.microsoft.com/office/drawing/2014/main" id="{F222F3B1-9811-4300-3ACD-3EF815574A5F}"/>
+              </a:ext>
+            </a:extLst>
+          </p:cNvPr>
+          <p:cNvSpPr txBox="1"/>
+          <p:nvPr/>
+        </p:nvSpPr>
+        <p:spPr>
+          <a:xfrm>
+            <a:off x="2488407" y="3429000"/>
+            <a:ext cx="5478520" cy="1938992"/>
+          </a:xfrm>
+          <a:prstGeom prst="rect">
+            <a:avLst/>
+          </a:prstGeom>
+          <a:noFill/>
+        </p:spPr>
+        <p:txBody>
+          <a:bodyPr wrap="square" rtlCol="0">
+            <a:spAutoFit/>
+          </a:bodyPr>
+          <a:lstStyle/>
+          <a:p>
+            <a:r>
+              <a:rPr lang="en-US" sz="6000" dirty="0">
+                <a:solidFill>
+                  <a:schemeClr val="bg1"/>
+                </a:solidFill>
+                <a:latin typeface="Amasis MT Pro Medium" panose="02040604050005020304" pitchFamily="18" charset="0"/>
+              </a:rPr>
+              <a:t>Blind Bartimaeus</a:t>
+            </a:r>
+          </a:p>
+        </p:txBody>
+      </p:sp>
+    </p:spTree>
+    <p:extLst>
+      <p:ext uri="{BB962C8B-B14F-4D97-AF65-F5344CB8AC3E}">
+        <p14:creationId xmlns:p14="http://schemas.microsoft.com/office/powerpoint/2010/main" val="96065650"/>
+      </p:ext>
+    </p:extLst>
+  </p:cSld>
+  <p:clrMapOvr>
+    <a:masterClrMapping/>
+  </p:clrMapOvr>
+</p:sld>
+</file>
+
+<file path=ppt/slides/slide6.xml><?xml version="1.0" encoding="utf-8"?>
+<p:sld xmlns:a="http://schemas.openxmlformats.org/drawingml/2006/main" xmlns:r="http://schemas.openxmlformats.org/officeDocument/2006/relationships" xmlns:p="http://schemas.openxmlformats.org/presentationml/2006/main">
+  <p:cSld>
+    <p:spTree>
+      <p:nvGrpSpPr>
+        <p:cNvPr id="1" name="">
+          <a:extLst>
+            <a:ext uri="{FF2B5EF4-FFF2-40B4-BE49-F238E27FC236}">
+              <a16:creationId xmlns:a16="http://schemas.microsoft.com/office/drawing/2014/main" id="{716737F5-E799-5BC0-4DBA-0AF7FE6ED537}"/>
+            </a:ext>
+          </a:extLst>
+        </p:cNvPr>
+        <p:cNvGrpSpPr/>
+        <p:nvPr/>
+      </p:nvGrpSpPr>
+      <p:grpSpPr>
+        <a:xfrm>
+          <a:off x="0" y="0"/>
+          <a:ext cx="0" cy="0"/>
+          <a:chOff x="0" y="0"/>
+          <a:chExt cx="0" cy="0"/>
+        </a:xfrm>
+      </p:grpSpPr>
+      <p:pic>
+        <p:nvPicPr>
+          <p:cNvPr id="3" name="Picture 2" descr="A person and a child looking at each other&#10;&#10;Description automatically generated">
+            <a:extLst>
+              <a:ext uri="{FF2B5EF4-FFF2-40B4-BE49-F238E27FC236}">
+                <a16:creationId xmlns:a16="http://schemas.microsoft.com/office/drawing/2014/main" id="{F935BC93-3AD2-C159-10A3-9924A538ED59}"/>
+              </a:ext>
+            </a:extLst>
+          </p:cNvPr>
+          <p:cNvPicPr>
+            <a:picLocks noChangeAspect="1"/>
+          </p:cNvPicPr>
+          <p:nvPr/>
+        </p:nvPicPr>
+        <p:blipFill>
+          <a:blip r:embed="rId2">
+            <a:extLst>
+              <a:ext uri="{28A0092B-C50C-407E-A947-70E740481C1C}">
+                <a14:useLocalDpi xmlns:a14="http://schemas.microsoft.com/office/drawing/2010/main" val="0"/>
+              </a:ext>
+            </a:extLst>
+          </a:blip>
+          <a:stretch>
+            <a:fillRect/>
+          </a:stretch>
+        </p:blipFill>
+        <p:spPr>
+          <a:xfrm>
+            <a:off x="0" y="-1143000"/>
+            <a:ext cx="12192000" cy="9144000"/>
+          </a:xfrm>
+          <a:prstGeom prst="rect">
+            <a:avLst/>
+          </a:prstGeom>
+        </p:spPr>
+      </p:pic>
+      <p:sp>
+        <p:nvSpPr>
+          <p:cNvPr id="6" name="Rectangle 5">
+            <a:extLst>
+              <a:ext uri="{FF2B5EF4-FFF2-40B4-BE49-F238E27FC236}">
+                <a16:creationId xmlns:a16="http://schemas.microsoft.com/office/drawing/2014/main" id="{D423CA19-9BE3-0967-F699-53470B034B18}"/>
+              </a:ext>
+            </a:extLst>
+          </p:cNvPr>
+          <p:cNvSpPr/>
+          <p:nvPr/>
+        </p:nvSpPr>
+        <p:spPr>
+          <a:xfrm rot="17839276">
+            <a:off x="1685955" y="4067680"/>
+            <a:ext cx="8820090" cy="7866640"/>
+          </a:xfrm>
+          <a:prstGeom prst="rect">
+            <a:avLst/>
+          </a:prstGeom>
+          <a:solidFill>
+            <a:srgbClr val="660066">
+              <a:alpha val="67451"/>
+            </a:srgbClr>
+          </a:solidFill>
+          <a:ln w="76200">
+            <a:solidFill>
+              <a:schemeClr val="bg1"/>
+            </a:solidFill>
+          </a:ln>
+        </p:spPr>
+        <p:style>
+          <a:lnRef idx="2">
+            <a:schemeClr val="accent1">
+              <a:shade val="15000"/>
+            </a:schemeClr>
+          </a:lnRef>
+          <a:fillRef idx="1">
+            <a:schemeClr val="accent1"/>
+          </a:fillRef>
+          <a:effectRef idx="0">
+            <a:schemeClr val="accent1"/>
+          </a:effectRef>
+          <a:fontRef idx="minor">
+            <a:schemeClr val="lt1"/>
+          </a:fontRef>
+        </p:style>
+        <p:txBody>
+          <a:bodyPr rtlCol="0" anchor="ctr"/>
+          <a:lstStyle/>
+          <a:p>
+            <a:pPr algn="ctr"/>
+            <a:endParaRPr lang="en-US"/>
+          </a:p>
+        </p:txBody>
+      </p:sp>
+      <p:sp>
+        <p:nvSpPr>
+          <p:cNvPr id="7" name="TextBox 6">
+            <a:extLst>
+              <a:ext uri="{FF2B5EF4-FFF2-40B4-BE49-F238E27FC236}">
+                <a16:creationId xmlns:a16="http://schemas.microsoft.com/office/drawing/2014/main" id="{7F1D0F43-6FC5-4C4E-884C-95203AA443E8}"/>
+              </a:ext>
+            </a:extLst>
+          </p:cNvPr>
+          <p:cNvSpPr txBox="1"/>
+          <p:nvPr/>
+        </p:nvSpPr>
+        <p:spPr>
+          <a:xfrm>
+            <a:off x="4004440" y="4229100"/>
+            <a:ext cx="5478520" cy="1938992"/>
+          </a:xfrm>
+          <a:prstGeom prst="rect">
+            <a:avLst/>
+          </a:prstGeom>
+          <a:noFill/>
+        </p:spPr>
+        <p:txBody>
+          <a:bodyPr wrap="square" rtlCol="0">
+            <a:spAutoFit/>
+          </a:bodyPr>
+          <a:lstStyle/>
+          <a:p>
+            <a:r>
+              <a:rPr lang="en-US" sz="6000" dirty="0">
+                <a:solidFill>
+                  <a:schemeClr val="bg1"/>
+                </a:solidFill>
+                <a:latin typeface="Amasis MT Pro Medium" panose="02040604050005020304" pitchFamily="18" charset="0"/>
+              </a:rPr>
+              <a:t>Naaman’s</a:t>
+            </a:r>
+          </a:p>
+          <a:p>
+            <a:r>
+              <a:rPr lang="en-US" sz="6000" dirty="0">
+                <a:solidFill>
+                  <a:schemeClr val="bg1"/>
+                </a:solidFill>
+                <a:latin typeface="Amasis MT Pro Medium" panose="02040604050005020304" pitchFamily="18" charset="0"/>
+              </a:rPr>
+              <a:t>Servant girl</a:t>
+            </a:r>
+          </a:p>
+        </p:txBody>
+      </p:sp>
+    </p:spTree>
+    <p:extLst>
+      <p:ext uri="{BB962C8B-B14F-4D97-AF65-F5344CB8AC3E}">
+        <p14:creationId xmlns:p14="http://schemas.microsoft.com/office/powerpoint/2010/main" val="61610828"/>
+      </p:ext>
+    </p:extLst>
+  </p:cSld>
+  <p:clrMapOvr>
+    <a:masterClrMapping/>
+  </p:clrMapOvr>
+</p:sld>
+</file>
+
+<file path=ppt/slides/slide7.xml><?xml version="1.0" encoding="utf-8"?>
+<p:sld xmlns:a="http://schemas.openxmlformats.org/drawingml/2006/main" xmlns:r="http://schemas.openxmlformats.org/officeDocument/2006/relationships" xmlns:p="http://schemas.openxmlformats.org/presentationml/2006/main">
+  <p:cSld>
+    <p:spTree>
+      <p:nvGrpSpPr>
+        <p:cNvPr id="1" name="">
+          <a:extLst>
+            <a:ext uri="{FF2B5EF4-FFF2-40B4-BE49-F238E27FC236}">
+              <a16:creationId xmlns:a16="http://schemas.microsoft.com/office/drawing/2014/main" id="{180C3A96-0C73-3F97-6F12-F9720E6C20F0}"/>
+            </a:ext>
+          </a:extLst>
+        </p:cNvPr>
+        <p:cNvGrpSpPr/>
+        <p:nvPr/>
+      </p:nvGrpSpPr>
+      <p:grpSpPr>
+        <a:xfrm>
+          <a:off x="0" y="0"/>
+          <a:ext cx="0" cy="0"/>
+          <a:chOff x="0" y="0"/>
+          <a:chExt cx="0" cy="0"/>
+        </a:xfrm>
+      </p:grpSpPr>
+      <p:pic>
+        <p:nvPicPr>
+          <p:cNvPr id="4" name="Picture 3" descr="A person in a robe spraying seeds&#10;&#10;Description automatically generated">
+            <a:extLst>
+              <a:ext uri="{FF2B5EF4-FFF2-40B4-BE49-F238E27FC236}">
+                <a16:creationId xmlns:a16="http://schemas.microsoft.com/office/drawing/2014/main" id="{9ED16B7A-8882-2D8D-F655-1E949CFEEFE6}"/>
+              </a:ext>
+            </a:extLst>
+          </p:cNvPr>
+          <p:cNvPicPr>
+            <a:picLocks noChangeAspect="1"/>
+          </p:cNvPicPr>
+          <p:nvPr/>
+        </p:nvPicPr>
+        <p:blipFill rotWithShape="1">
+          <a:blip r:embed="rId2">
+            <a:extLst>
+              <a:ext uri="{28A0092B-C50C-407E-A947-70E740481C1C}">
+                <a14:useLocalDpi xmlns:a14="http://schemas.microsoft.com/office/drawing/2010/main" val="0"/>
+              </a:ext>
+            </a:extLst>
+          </a:blip>
+          <a:srcRect b="25000"/>
+          <a:stretch/>
+        </p:blipFill>
+        <p:spPr>
+          <a:xfrm>
+            <a:off x="0" y="0"/>
+            <a:ext cx="12192000" cy="6858000"/>
+          </a:xfrm>
+          <a:prstGeom prst="rect">
+            <a:avLst/>
+          </a:prstGeom>
+        </p:spPr>
+      </p:pic>
+      <p:sp>
+        <p:nvSpPr>
+          <p:cNvPr id="6" name="Rectangle 5">
+            <a:extLst>
+              <a:ext uri="{FF2B5EF4-FFF2-40B4-BE49-F238E27FC236}">
+                <a16:creationId xmlns:a16="http://schemas.microsoft.com/office/drawing/2014/main" id="{CF187AA7-7027-8E78-942C-830118B9DFB4}"/>
+              </a:ext>
+            </a:extLst>
+          </p:cNvPr>
+          <p:cNvSpPr/>
+          <p:nvPr/>
+        </p:nvSpPr>
+        <p:spPr>
+          <a:xfrm rot="17839276">
+            <a:off x="3095655" y="2200779"/>
+            <a:ext cx="8820090" cy="7866640"/>
+          </a:xfrm>
+          <a:prstGeom prst="rect">
+            <a:avLst/>
+          </a:prstGeom>
+          <a:solidFill>
+            <a:srgbClr val="FF5050">
+              <a:alpha val="67451"/>
+            </a:srgbClr>
+          </a:solidFill>
+          <a:ln w="76200">
+            <a:solidFill>
+              <a:schemeClr val="bg1"/>
+            </a:solidFill>
+          </a:ln>
+        </p:spPr>
+        <p:style>
+          <a:lnRef idx="2">
+            <a:schemeClr val="accent1">
+              <a:shade val="15000"/>
+            </a:schemeClr>
+          </a:lnRef>
+          <a:fillRef idx="1">
+            <a:schemeClr val="accent1"/>
+          </a:fillRef>
+          <a:effectRef idx="0">
+            <a:schemeClr val="accent1"/>
+          </a:effectRef>
+          <a:fontRef idx="minor">
+            <a:schemeClr val="lt1"/>
+          </a:fontRef>
+        </p:style>
+        <p:txBody>
+          <a:bodyPr rtlCol="0" anchor="ctr"/>
+          <a:lstStyle/>
+          <a:p>
+            <a:pPr algn="ctr"/>
+            <a:endParaRPr lang="en-US"/>
+          </a:p>
+        </p:txBody>
+      </p:sp>
+      <p:sp>
+        <p:nvSpPr>
+          <p:cNvPr id="7" name="TextBox 6">
+            <a:extLst>
+              <a:ext uri="{FF2B5EF4-FFF2-40B4-BE49-F238E27FC236}">
+                <a16:creationId xmlns:a16="http://schemas.microsoft.com/office/drawing/2014/main" id="{31019BD5-0CB8-D1AA-EED6-431FF0523D98}"/>
+              </a:ext>
+            </a:extLst>
+          </p:cNvPr>
+          <p:cNvSpPr txBox="1"/>
+          <p:nvPr/>
+        </p:nvSpPr>
+        <p:spPr>
+          <a:xfrm>
+            <a:off x="5185540" y="2705100"/>
+            <a:ext cx="5478520" cy="1938992"/>
+          </a:xfrm>
+          <a:prstGeom prst="rect">
+            <a:avLst/>
+          </a:prstGeom>
+          <a:noFill/>
+        </p:spPr>
+        <p:txBody>
+          <a:bodyPr wrap="square" rtlCol="0">
+            <a:spAutoFit/>
+          </a:bodyPr>
+          <a:lstStyle/>
+          <a:p>
+            <a:r>
+              <a:rPr lang="en-US" sz="6000" dirty="0">
+                <a:solidFill>
+                  <a:schemeClr val="bg1"/>
+                </a:solidFill>
+                <a:latin typeface="Amasis MT Pro Medium" panose="02040604050005020304" pitchFamily="18" charset="0"/>
+              </a:rPr>
+              <a:t>The Sower </a:t>
+            </a:r>
+          </a:p>
+          <a:p>
+            <a:r>
+              <a:rPr lang="en-US" sz="6000" dirty="0">
+                <a:solidFill>
+                  <a:schemeClr val="bg1"/>
+                </a:solidFill>
+                <a:latin typeface="Amasis MT Pro Medium" panose="02040604050005020304" pitchFamily="18" charset="0"/>
+              </a:rPr>
+              <a:t>and the seed</a:t>
+            </a:r>
+          </a:p>
+        </p:txBody>
+      </p:sp>
+    </p:spTree>
+    <p:extLst>
+      <p:ext uri="{BB962C8B-B14F-4D97-AF65-F5344CB8AC3E}">
+        <p14:creationId xmlns:p14="http://schemas.microsoft.com/office/powerpoint/2010/main" val="2574574076"/>
       </p:ext>
     </p:extLst>
   </p:cSld>
